--- a/topic03/talk-1/modelingI.pptx
+++ b/topic03/talk-1/modelingI.pptx
@@ -127,7 +127,7 @@
   </p:defaultTextStyle>
   <p:extLst>
     <p:ext uri="{EFAFB233-063F-42B5-8137-9DF3F51BA10A}">
-      <p15:sldGuideLst xmlns:p15="http://schemas.microsoft.com/office/powerpoint/2012/main" xmlns="">
+      <p15:sldGuideLst xmlns="" xmlns:p15="http://schemas.microsoft.com/office/powerpoint/2012/main">
         <p15:guide id="1" orient="horz" pos="2160">
           <p15:clr>
             <a:srgbClr val="A4A3A4"/>
@@ -226,7 +226,7 @@
           <a:p>
             <a:fld id="{66F332A7-8841-4108-896E-7A167BF10CA9}" type="datetimeFigureOut">
               <a:rPr lang="en-IE" smtClean="0"/>
-              <a:t>23/02/2015</a:t>
+              <a:t>22/02/2016</a:t>
             </a:fld>
             <a:endParaRPr lang="en-IE"/>
           </a:p>
@@ -642,13 +642,21 @@
             </a:r>
             <a:r>
               <a:rPr lang="en-GB" baseline="0" dirty="0" smtClean="0"/>
-              <a:t> in manufacturing and outsourcing cost and the best decision for varying levels of fixed costs, E4 to E11 holds the range of these input values in F3 is the difference from B18 and G3 is the decision from B20</a:t>
-            </a:r>
-          </a:p>
-          <a:p>
+              <a:t> in manufacturing and outsourcing cost and the best decision for varying levels of fixed costs, E4 to E11 holds the range of these input values in F3 is the difference from B18 and G3 is the decision from </a:t>
+            </a:r>
             <a:r>
               <a:rPr lang="en-GB" baseline="0" dirty="0" smtClean="0"/>
-              <a:t>You highlight the full block of fixed costs and decision data, not including heading, then from the Data ribbon you choose the data table option from the what if analysis section and  enter B6 as the column input cell. Press ok and the difference column and decision are populated.</a:t>
+              <a:t>B20</a:t>
+            </a:r>
+          </a:p>
+          <a:p>
+            <a:r>
+              <a:rPr lang="en-GB" baseline="0" dirty="0" smtClean="0"/>
+              <a:t>Enter the range of fixed costs you want to test, enter the formula for difference and decision and then highlight </a:t>
+            </a:r>
+            <a:r>
+              <a:rPr lang="en-GB" baseline="0" dirty="0" smtClean="0"/>
+              <a:t>the full block of fixed costs and decision data, not including heading, then from the Data ribbon you choose the data table option from the what if analysis section and  enter B6 as the column input cell. Press ok and the difference column and decision are populated.</a:t>
             </a:r>
             <a:endParaRPr lang="en-GB" dirty="0"/>
           </a:p>
@@ -739,12 +747,12 @@
               <a:t>A two way data table shows </a:t>
             </a:r>
             <a:r>
-              <a:rPr lang="en-IE" dirty="0" err="1" smtClean="0"/>
-              <a:t>decsions</a:t>
-            </a:r>
-            <a:r>
               <a:rPr lang="en-IE" dirty="0" smtClean="0"/>
-              <a:t> based on two variables fixed costs and variable</a:t>
+              <a:t>decisions </a:t>
+            </a:r>
+            <a:r>
+              <a:rPr lang="en-IE" dirty="0" smtClean="0"/>
+              <a:t>based on two variables fixed costs and variable</a:t>
             </a:r>
             <a:r>
               <a:rPr lang="en-IE" baseline="0" dirty="0" smtClean="0"/>
@@ -932,7 +940,15 @@
             </a:r>
             <a:r>
               <a:rPr lang="en-IE" baseline="0" dirty="0" smtClean="0"/>
-              <a:t> tow is zero) so the value you want to find it the level of demand. It determines the demand break even point is 1000</a:t>
+              <a:t> </a:t>
+            </a:r>
+            <a:r>
+              <a:rPr lang="en-IE" baseline="0" dirty="0" smtClean="0"/>
+              <a:t>two </a:t>
+            </a:r>
+            <a:r>
+              <a:rPr lang="en-IE" baseline="0" dirty="0" smtClean="0"/>
+              <a:t>is zero) so the value you want to find it the level of demand. It determines the demand break even point is 1000</a:t>
             </a:r>
             <a:endParaRPr lang="en-IE" dirty="0"/>
           </a:p>
@@ -1020,12 +1036,21 @@
           <a:p>
             <a:r>
               <a:rPr lang="en-IE" dirty="0" smtClean="0"/>
-              <a:t>Optimisation models are different from what if’s, we are looking for the best solution. In most cases an algorithm is needed to provide the</a:t>
+              <a:t>What ifs are useful for descriptive models, however Optimisation </a:t>
+            </a:r>
+            <a:r>
+              <a:rPr lang="en-IE" dirty="0" smtClean="0"/>
+              <a:t>models are different from what if’s, we are looking for the best solution. In most cases an algorithm is needed to provide the</a:t>
             </a:r>
             <a:r>
               <a:rPr lang="en-IE" baseline="0" dirty="0" smtClean="0"/>
-              <a:t> solution. An algorithm is a systematic procedure that finds the best solution.</a:t>
-            </a:r>
+              <a:t> solution. An algorithm is a systematic procedure that finds the best solution</a:t>
+            </a:r>
+            <a:r>
+              <a:rPr lang="en-IE" baseline="0" dirty="0" smtClean="0"/>
+              <a:t>. Many already exist to solve optimisation problems.</a:t>
+            </a:r>
+            <a:endParaRPr lang="en-IE" baseline="0" dirty="0" smtClean="0"/>
           </a:p>
           <a:p>
             <a:endParaRPr lang="en-IE" baseline="0" dirty="0" smtClean="0"/>
@@ -1526,19 +1551,19 @@
               <a:t> costs, machine capacity, </a:t>
             </a:r>
             <a:r>
-              <a:rPr lang="en-IE" baseline="0" dirty="0" err="1" smtClean="0"/>
-              <a:t>distrrances</a:t>
+              <a:rPr lang="en-IE" baseline="0" dirty="0" smtClean="0"/>
+              <a:t>distances</a:t>
             </a:r>
             <a:endParaRPr lang="en-IE" baseline="0" dirty="0" smtClean="0"/>
           </a:p>
           <a:p>
             <a:r>
-              <a:rPr lang="en-IE" baseline="0" dirty="0" err="1" smtClean="0"/>
-              <a:t>Uncontrolable</a:t>
-            </a:r>
-            <a:r>
               <a:rPr lang="en-IE" baseline="0" dirty="0" smtClean="0"/>
-              <a:t>: quantities that can change but cannot be directly controlled by the decision maker. </a:t>
+              <a:t>Uncontrollable: </a:t>
+            </a:r>
+            <a:r>
+              <a:rPr lang="en-IE" baseline="0" dirty="0" smtClean="0"/>
+              <a:t>quantities that can change but cannot be directly controlled by the decision maker. </a:t>
             </a:r>
             <a:r>
               <a:rPr lang="en-IE" baseline="0" dirty="0" err="1" smtClean="0"/>
@@ -1654,6 +1679,31 @@
               <a:rPr lang="en-IE" baseline="0" dirty="0" smtClean="0"/>
               <a:t> is for evaluating a simple outsourcing decision. </a:t>
             </a:r>
+            <a:endParaRPr lang="en-IE" baseline="0" dirty="0" smtClean="0"/>
+          </a:p>
+          <a:p>
+            <a:endParaRPr lang="en-IE" baseline="0" dirty="0" smtClean="0"/>
+          </a:p>
+          <a:p>
+            <a:r>
+              <a:rPr lang="en-IE" baseline="0" dirty="0" smtClean="0"/>
+              <a:t>Manufacturer can produce a part for 125 per unit with a fixed cost of 50,000. The alternative is to outsource production to a supplier at a unit cost of 175.</a:t>
+            </a:r>
+          </a:p>
+          <a:p>
+            <a:r>
+              <a:rPr lang="en-IE" baseline="0" dirty="0" smtClean="0"/>
+              <a:t>The decision depends on the anticipated demand, for high volumes the cost to manufacture in house will be lower than outsourcing because the fixed costs can be spread over a larger number of units, for small volumes it would be more economical to outsource.</a:t>
+            </a:r>
+          </a:p>
+          <a:p>
+            <a:endParaRPr lang="en-IE" baseline="0" dirty="0" smtClean="0"/>
+          </a:p>
+          <a:p>
+            <a:r>
+              <a:rPr lang="en-IE" baseline="0" dirty="0" smtClean="0"/>
+              <a:t>The key input is the demand volume and the outputs are total manufacturing cost and purchase costs</a:t>
+            </a:r>
             <a:endParaRPr lang="en-IE" dirty="0"/>
           </a:p>
         </p:txBody>
@@ -1844,20 +1894,33 @@
           <a:p>
             <a:r>
               <a:rPr lang="en-GB" dirty="0" smtClean="0"/>
-              <a:t>Descriptive: regression</a:t>
+              <a:t>Descriptive</a:t>
+            </a:r>
+            <a:r>
+              <a:rPr lang="en-GB" dirty="0" smtClean="0"/>
+              <a:t>: regression</a:t>
             </a:r>
             <a:r>
               <a:rPr lang="en-GB" baseline="0" dirty="0" smtClean="0"/>
-              <a:t> models are examples where they describe the relationship between dependent and independent variables. Outsourcing model is descriptive. Used to explain the behaviour of systems, predict future events as inputs to planning processes and assist decision makers</a:t>
-            </a:r>
-          </a:p>
-          <a:p>
+              <a:t> models are examples where they describe the relationship between dependent and independent variables. Outsourcing model is descriptive. Used to explain the behaviour of systems, predict future events as inputs to planning processes and assist decision </a:t>
+            </a:r>
+            <a:r>
+              <a:rPr lang="en-GB" baseline="0" dirty="0" smtClean="0"/>
+              <a:t>makers. No decision variable included</a:t>
+            </a:r>
             <a:endParaRPr lang="en-GB" baseline="0" dirty="0" smtClean="0"/>
           </a:p>
           <a:p>
+            <a:endParaRPr lang="en-GB" baseline="0" dirty="0" smtClean="0"/>
+          </a:p>
+          <a:p>
             <a:r>
               <a:rPr lang="en-GB" baseline="0" dirty="0" smtClean="0"/>
-              <a:t>Prescriptive: in a competitive environment one percent can mean a difference of hundreds of thousands of dollars, knowing the best can be the difference between success and failure.</a:t>
+              <a:t>Prescriptive: in a competitive environment one percent can mean a difference of hundreds of thousands of dollars, knowing the best can be the difference between success and failure</a:t>
+            </a:r>
+            <a:r>
+              <a:rPr lang="en-GB" baseline="0" dirty="0" smtClean="0"/>
+              <a:t>. The airline example on the next slide illustrates this.</a:t>
             </a:r>
             <a:endParaRPr lang="en-GB" dirty="0"/>
           </a:p>
@@ -1945,7 +2008,63 @@
           <a:p>
             <a:r>
               <a:rPr lang="en-GB" dirty="0" smtClean="0"/>
-              <a:t>The objective is to find the optimum price that will determine demand. Slope is the degree of the line, intercept is where the line intercepts with</a:t>
+              <a:t>Suppose</a:t>
+            </a:r>
+            <a:r>
+              <a:rPr lang="en-GB" baseline="0" dirty="0" smtClean="0"/>
+              <a:t> an airline has studied the price elasticity for the demand for a round trip between </a:t>
+            </a:r>
+            <a:r>
+              <a:rPr lang="en-GB" baseline="0" dirty="0" err="1" smtClean="0"/>
+              <a:t>chicago</a:t>
+            </a:r>
+            <a:r>
+              <a:rPr lang="en-GB" baseline="0" dirty="0" smtClean="0"/>
+              <a:t> and </a:t>
+            </a:r>
+            <a:r>
+              <a:rPr lang="en-GB" baseline="0" dirty="0" err="1" smtClean="0"/>
+              <a:t>cancun</a:t>
+            </a:r>
+            <a:r>
+              <a:rPr lang="en-GB" baseline="0" dirty="0" smtClean="0"/>
+              <a:t>. They discovered that when the price is 600, daily demand is 500 per day, but when the price is 300 demand increases to 1,2000 per day. Airplane capacity is 300 but they can put on more flights if needed. Fixed costs for each flight is 90000.</a:t>
+            </a:r>
+          </a:p>
+          <a:p>
+            <a:r>
+              <a:rPr lang="en-GB" baseline="0" dirty="0" smtClean="0"/>
+              <a:t>The decision is to determine the price that maximises profit.</a:t>
+            </a:r>
+          </a:p>
+          <a:p>
+            <a:r>
+              <a:rPr lang="en-GB" baseline="0" dirty="0" smtClean="0"/>
+              <a:t>We only have two data points (600,500) and (300,1200) so we assume demand is a linear function of price so we determine the equation of the straight line between them. </a:t>
+            </a:r>
+            <a:endParaRPr lang="en-GB" dirty="0" smtClean="0"/>
+          </a:p>
+          <a:p>
+            <a:endParaRPr lang="en-GB" dirty="0" smtClean="0"/>
+          </a:p>
+          <a:p>
+            <a:r>
+              <a:rPr lang="en-GB" dirty="0" smtClean="0"/>
+              <a:t>Y= mx + b is the basic</a:t>
+            </a:r>
+            <a:r>
+              <a:rPr lang="en-GB" baseline="0" dirty="0" smtClean="0"/>
+              <a:t> straight line equation. Y is demand, m is slope, x is the price and b is the y intercept </a:t>
+            </a:r>
+          </a:p>
+          <a:p>
+            <a:r>
+              <a:rPr lang="en-GB" dirty="0" smtClean="0"/>
+              <a:t>Slope </a:t>
+            </a:r>
+            <a:r>
+              <a:rPr lang="en-GB" dirty="0" smtClean="0"/>
+              <a:t>is the degree of the line, intercept is where the line intercepts with</a:t>
             </a:r>
             <a:r>
               <a:rPr lang="en-GB" baseline="0" dirty="0" smtClean="0"/>
@@ -1960,12 +2079,59 @@
               <a:t> using this formula you can calculate the demand = </a:t>
             </a:r>
             <a:r>
-              <a:rPr lang="en-GB" baseline="0" dirty="0" err="1" smtClean="0"/>
-              <a:t>intercept+slope</a:t>
-            </a:r>
-            <a:r>
               <a:rPr lang="en-GB" baseline="0" dirty="0" smtClean="0"/>
-              <a:t>*price</a:t>
+              <a:t>slope*price + intercept</a:t>
+            </a:r>
+          </a:p>
+          <a:p>
+            <a:r>
+              <a:rPr lang="en-GB" baseline="0" dirty="0" smtClean="0"/>
+              <a:t>Y demand (500 and 1200)</a:t>
+            </a:r>
+          </a:p>
+          <a:p>
+            <a:r>
+              <a:rPr lang="en-GB" baseline="0" dirty="0" smtClean="0"/>
+              <a:t>Price (600 and 300)</a:t>
+            </a:r>
+          </a:p>
+          <a:p>
+            <a:r>
+              <a:rPr lang="en-GB" baseline="0" dirty="0" smtClean="0"/>
+              <a:t>To calculate the slope you  (y2-y1)/(x2-x1)</a:t>
+            </a:r>
+          </a:p>
+          <a:p>
+            <a:endParaRPr lang="en-GB" baseline="0" dirty="0" smtClean="0"/>
+          </a:p>
+          <a:p>
+            <a:r>
+              <a:rPr lang="en-GB" baseline="0" dirty="0" smtClean="0"/>
+              <a:t>M = (500 – 1200)/(600-300) = -7/3</a:t>
+            </a:r>
+          </a:p>
+          <a:p>
+            <a:r>
+              <a:rPr lang="en-GB" baseline="0" dirty="0" smtClean="0"/>
+              <a:t>To calculate the intercept</a:t>
+            </a:r>
+          </a:p>
+          <a:p>
+            <a:endParaRPr lang="en-GB" baseline="0" dirty="0" smtClean="0"/>
+          </a:p>
+          <a:p>
+            <a:r>
+              <a:rPr lang="en-GB" baseline="0" dirty="0" smtClean="0"/>
+              <a:t>B = 500-(-7/3)(600) = 1900</a:t>
+            </a:r>
+          </a:p>
+          <a:p>
+            <a:endParaRPr lang="en-GB" baseline="0" dirty="0" smtClean="0"/>
+          </a:p>
+          <a:p>
+            <a:r>
+              <a:rPr lang="en-GB" baseline="0" dirty="0" smtClean="0"/>
+              <a:t>So y or demand = (-7/3 * price )+1900 </a:t>
             </a:r>
             <a:endParaRPr lang="en-GB" dirty="0"/>
           </a:p>
@@ -2096,7 +2262,19 @@
           <a:p>
             <a:r>
               <a:rPr lang="en-GB" baseline="0" dirty="0" smtClean="0"/>
-              <a:t>Spreadsheet model allow you to evaluate what if questions, in the outsourcing model we might be interested in how different levels of fixed and variable costs affect the total manufacturing cost. Changing model inputs to see affect on outputs is sensitivity analysis</a:t>
+              <a:t>Spreadsheet </a:t>
+            </a:r>
+            <a:r>
+              <a:rPr lang="en-GB" baseline="0" dirty="0" smtClean="0"/>
+              <a:t>models </a:t>
+            </a:r>
+            <a:r>
+              <a:rPr lang="en-GB" baseline="0" dirty="0" smtClean="0"/>
+              <a:t>allow you to evaluate what if questions, in the outsourcing model we might be interested in how different levels of fixed and variable costs affect the total manufacturing cost. Changing model inputs to see affect on outputs is sensitivity </a:t>
+            </a:r>
+            <a:r>
+              <a:rPr lang="en-GB" baseline="0" dirty="0" smtClean="0"/>
+              <a:t>analysis. This is one of the most important and valuable approaches to gaining the appropriate insights to make good decisions. It is as easy as changing values in a spreadsheet and analysing the changes, but spreadsheets facilitate sensitivity analysis through tools.</a:t>
             </a:r>
             <a:endParaRPr lang="en-GB" dirty="0"/>
           </a:p>
@@ -2182,9 +2360,19 @@
           <a:bodyPr/>
           <a:lstStyle/>
           <a:p>
+            <a:endParaRPr lang="en-GB" dirty="0" smtClean="0"/>
+          </a:p>
+          <a:p>
+            <a:endParaRPr lang="en-GB" dirty="0" smtClean="0"/>
+          </a:p>
+          <a:p>
             <a:r>
               <a:rPr lang="en-GB" dirty="0" smtClean="0"/>
-              <a:t>A one way table evaluates an output variable over a range of values for a single input</a:t>
+              <a:t>A </a:t>
+            </a:r>
+            <a:r>
+              <a:rPr lang="en-GB" dirty="0" smtClean="0"/>
+              <a:t>one way table evaluates an output variable over a range of values for a single input</a:t>
             </a:r>
             <a:r>
               <a:rPr lang="en-GB" baseline="0" dirty="0" smtClean="0"/>
@@ -2366,7 +2554,7 @@
           <a:p>
             <a:fld id="{B1A36C92-6815-4E04-A839-A18A43E73973}" type="datetime1">
               <a:rPr lang="en-IE" smtClean="0"/>
-              <a:t>23/02/2015</a:t>
+              <a:t>22/02/2016</a:t>
             </a:fld>
             <a:endParaRPr lang="en-IE"/>
           </a:p>
@@ -3004,7 +3192,7 @@
           <a:p>
             <a:fld id="{AD7BBA22-4AD5-4A47-8229-D5BFCFB85B50}" type="datetime1">
               <a:rPr lang="en-IE" smtClean="0"/>
-              <a:t>23/02/2015</a:t>
+              <a:t>22/02/2016</a:t>
             </a:fld>
             <a:endParaRPr lang="en-IE"/>
           </a:p>
@@ -3286,7 +3474,7 @@
           <a:p>
             <a:fld id="{C638ED94-3AD5-4747-A64C-8B4C64046AD0}" type="datetime1">
               <a:rPr lang="en-IE" smtClean="0"/>
-              <a:t>23/02/2015</a:t>
+              <a:t>22/02/2016</a:t>
             </a:fld>
             <a:endParaRPr lang="en-IE"/>
           </a:p>
@@ -3456,7 +3644,7 @@
           <a:p>
             <a:fld id="{028045C6-6EE4-4432-AF83-758A41562887}" type="datetime1">
               <a:rPr lang="en-IE" smtClean="0"/>
-              <a:t>23/02/2015</a:t>
+              <a:t>22/02/2016</a:t>
             </a:fld>
             <a:endParaRPr lang="en-IE"/>
           </a:p>
@@ -3642,7 +3830,7 @@
           <a:p>
             <a:fld id="{E3F168EB-D606-41AD-A62C-0885EEB9BCF5}" type="datetime1">
               <a:rPr lang="en-IE" smtClean="0"/>
-              <a:t>23/02/2015</a:t>
+              <a:t>22/02/2016</a:t>
             </a:fld>
             <a:endParaRPr lang="en-IE"/>
           </a:p>
@@ -4292,7 +4480,7 @@
           <a:p>
             <a:fld id="{EBE146A5-986D-474B-953D-0B5984D9A801}" type="datetime1">
               <a:rPr lang="en-IE" smtClean="0"/>
-              <a:t>23/02/2015</a:t>
+              <a:t>22/02/2016</a:t>
             </a:fld>
             <a:endParaRPr lang="en-IE"/>
           </a:p>
@@ -4723,7 +4911,7 @@
           <a:p>
             <a:fld id="{6DC4F09C-C47D-4FFD-A7A0-5216420F70BA}" type="datetime1">
               <a:rPr lang="en-IE" smtClean="0"/>
-              <a:t>23/02/2015</a:t>
+              <a:t>22/02/2016</a:t>
             </a:fld>
             <a:endParaRPr lang="en-IE"/>
           </a:p>
@@ -4841,7 +5029,7 @@
           <a:p>
             <a:fld id="{BE36D0FB-A6B6-457A-9608-988E89BD7D9D}" type="datetime1">
               <a:rPr lang="en-IE" smtClean="0"/>
-              <a:t>23/02/2015</a:t>
+              <a:t>22/02/2016</a:t>
             </a:fld>
             <a:endParaRPr lang="en-IE"/>
           </a:p>
@@ -5027,7 +5215,7 @@
           <a:p>
             <a:fld id="{4BEB3C43-1E16-40B6-B2CB-B431175C5A02}" type="datetime1">
               <a:rPr lang="en-IE" smtClean="0"/>
-              <a:t>23/02/2015</a:t>
+              <a:t>22/02/2016</a:t>
             </a:fld>
             <a:endParaRPr lang="en-IE"/>
           </a:p>
@@ -5298,7 +5486,7 @@
           <a:p>
             <a:fld id="{918D548E-6F62-46D9-B097-B499E30F5628}" type="datetime1">
               <a:rPr lang="en-IE" smtClean="0"/>
-              <a:t>23/02/2015</a:t>
+              <a:t>22/02/2016</a:t>
             </a:fld>
             <a:endParaRPr lang="en-IE"/>
           </a:p>
@@ -5773,7 +5961,7 @@
           <a:p>
             <a:fld id="{13A2AD5F-134A-4604-B849-A2250386F03B}" type="datetime1">
               <a:rPr lang="en-IE" smtClean="0"/>
-              <a:t>23/02/2015</a:t>
+              <a:t>22/02/2016</a:t>
             </a:fld>
             <a:endParaRPr lang="en-IE"/>
           </a:p>
@@ -6338,7 +6526,7 @@
           <a:p>
             <a:fld id="{10841152-6114-48DC-A61E-A8E742144FE0}" type="datetime1">
               <a:rPr lang="en-IE" smtClean="0"/>
-              <a:t>23/02/2015</a:t>
+              <a:t>22/02/2016</a:t>
             </a:fld>
             <a:endParaRPr lang="en-IE"/>
           </a:p>
@@ -7253,28 +7441,28 @@
           <a:p>
             <a:pPr eaLnBrk="1" hangingPunct="1"/>
             <a:r>
-              <a:rPr lang="en-US" altLang="en-US" sz="3200" smtClean="0"/>
+              <a:rPr lang="en-US" altLang="en-US" sz="3200" dirty="0" smtClean="0"/>
               <a:t>Summarizes the impact of one or two inputs on a specified output</a:t>
             </a:r>
           </a:p>
           <a:p>
             <a:pPr eaLnBrk="1" hangingPunct="1"/>
             <a:r>
-              <a:rPr lang="en-US" altLang="en-US" sz="3200" smtClean="0"/>
+              <a:rPr lang="en-US" altLang="en-US" sz="3200" dirty="0" smtClean="0"/>
               <a:t>Excel tools</a:t>
             </a:r>
           </a:p>
           <a:p>
             <a:pPr lvl="1" eaLnBrk="1" hangingPunct="1"/>
             <a:r>
-              <a:rPr lang="en-US" altLang="en-US" sz="3200" smtClean="0"/>
+              <a:rPr lang="en-US" altLang="en-US" sz="3200" dirty="0" smtClean="0"/>
               <a:t>One-way data tables</a:t>
             </a:r>
           </a:p>
           <a:p>
             <a:pPr lvl="1" eaLnBrk="1" hangingPunct="1"/>
             <a:r>
-              <a:rPr lang="en-US" altLang="en-US" sz="3200" smtClean="0"/>
+              <a:rPr lang="en-US" altLang="en-US" sz="3200" dirty="0" smtClean="0"/>
               <a:t>Two-way data tables</a:t>
             </a:r>
           </a:p>
@@ -10936,7 +11124,7 @@
   <a:extraClrSchemeLst/>
   <a:extLst>
     <a:ext uri="{05A4C25C-085E-4340-85A3-A5531E510DB2}">
-      <thm15:themeFamily xmlns:thm15="http://schemas.microsoft.com/office/thememl/2012/main" xmlns="" name="analytic" id="{9A28554E-78CD-4F85-AE53-59AAB432ED69}" vid="{CA8F7F4E-8027-487E-91E4-E9646DCEB1B6}"/>
+      <thm15:themeFamily xmlns="" xmlns:thm15="http://schemas.microsoft.com/office/thememl/2012/main" name="analytic" id="{9A28554E-78CD-4F85-AE53-59AAB432ED69}" vid="{CA8F7F4E-8027-487E-91E4-E9646DCEB1B6}"/>
     </a:ext>
   </a:extLst>
 </a:theme>
@@ -11197,7 +11385,7 @@
   <a:extraClrSchemeLst/>
   <a:extLst>
     <a:ext uri="{05A4C25C-085E-4340-85A3-A5531E510DB2}">
-      <thm15:themeFamily xmlns:thm15="http://schemas.microsoft.com/office/thememl/2012/main" xmlns="" name="Office Theme" id="{62F939B6-93AF-4DB8-9C6B-D6C7DFDC589F}" vid="{4A3C46E8-61CC-4603-A589-7422A47A8E4A}"/>
+      <thm15:themeFamily xmlns="" xmlns:thm15="http://schemas.microsoft.com/office/thememl/2012/main" name="Office Theme" id="{62F939B6-93AF-4DB8-9C6B-D6C7DFDC589F}" vid="{4A3C46E8-61CC-4603-A589-7422A47A8E4A}"/>
     </a:ext>
   </a:extLst>
 </a:theme>
